--- a/angular入门.pptx
+++ b/angular入门.pptx
@@ -7941,7 +7941,7 @@
         <p:spPr bwMode="auto">
           <a:xfrm>
             <a:off x="320560" y="2801750"/>
-            <a:ext cx="9132436" cy="307777"/>
+            <a:ext cx="9222205" cy="307777"/>
           </a:xfrm>
           <a:prstGeom prst="rect">
             <a:avLst/>
@@ -8153,8 +8153,8 @@
               <a:buChar char="Ø"/>
             </a:pPr>
             <a:r>
-              <a:rPr lang="en-US" altLang="zh-CN" sz="1400" dirty="0"/>
-              <a:t>Angular2 </a:t>
+              <a:rPr lang="en-US" altLang="zh-CN" sz="1400" dirty="0" smtClean="0"/>
+              <a:t>Angular2+ </a:t>
             </a:r>
             <a:r>
               <a:rPr lang="zh-CN" altLang="en-US" sz="1400" dirty="0"/>
@@ -8467,8 +8467,8 @@
         </p:nvSpPr>
         <p:spPr bwMode="auto">
           <a:xfrm>
-            <a:off x="331406" y="2194364"/>
-            <a:ext cx="7818231" cy="307777"/>
+            <a:off x="320560" y="2247302"/>
+            <a:ext cx="8985217" cy="307777"/>
           </a:xfrm>
           <a:prstGeom prst="rect">
             <a:avLst/>
@@ -8681,7 +8681,7 @@
             </a:pPr>
             <a:r>
               <a:rPr lang="en-US" altLang="zh-CN" sz="1400" dirty="0" smtClean="0"/>
-              <a:t>Angular2 </a:t>
+              <a:t>Angular2+ </a:t>
             </a:r>
             <a:r>
               <a:rPr lang="zh-CN" altLang="en-US" sz="1400" dirty="0" smtClean="0"/>
@@ -8697,7 +8697,11 @@
             </a:r>
             <a:r>
               <a:rPr lang="zh-CN" altLang="en-US" sz="1400" dirty="0"/>
-              <a:t>库，由</a:t>
+              <a:t>库</a:t>
+            </a:r>
+            <a:r>
+              <a:rPr lang="zh-CN" altLang="en-US" sz="1400" dirty="0" smtClean="0"/>
+              <a:t>，是一个平台，由</a:t>
             </a:r>
             <a:r>
               <a:rPr lang="en-US" altLang="zh-CN" sz="1400" dirty="0"/>
@@ -12883,18 +12887,7 @@
                 <a:ea typeface="微软雅黑" panose="020B0503020204020204" pitchFamily="34" charset="-122"/>
                 <a:cs typeface="Open Sans Light"/>
               </a:rPr>
-              <a:t>Angular</a:t>
-            </a:r>
-            <a:r>
-              <a:rPr lang="en-US" altLang="zh-CN" sz="3000" dirty="0" smtClean="0">
-                <a:solidFill>
-                  <a:srgbClr val="5B4945"/>
-                </a:solidFill>
-                <a:latin typeface="微软雅黑" panose="020B0503020204020204" pitchFamily="34" charset="-122"/>
-                <a:ea typeface="微软雅黑" panose="020B0503020204020204" pitchFamily="34" charset="-122"/>
-                <a:cs typeface="Open Sans Light"/>
-              </a:rPr>
-              <a:t>/cli</a:t>
+              <a:t>Angular/cli</a:t>
             </a:r>
             <a:endParaRPr lang="zh-CN" altLang="en-US" sz="3000" dirty="0">
               <a:solidFill>
@@ -13481,29 +13474,7 @@
                 <a:ea typeface="微软雅黑" panose="020B0503020204020204" pitchFamily="34" charset="-122"/>
                 <a:cs typeface="Open Sans Light"/>
               </a:rPr>
-              <a:t> ng build , ng g xx </a:t>
-            </a:r>
-            <a:r>
-              <a:rPr lang="en-US" altLang="zh-CN" sz="3000" dirty="0" smtClean="0">
-                <a:solidFill>
-                  <a:srgbClr val="5B4945"/>
-                </a:solidFill>
-                <a:latin typeface="微软雅黑" panose="020B0503020204020204" pitchFamily="34" charset="-122"/>
-                <a:ea typeface="微软雅黑" panose="020B0503020204020204" pitchFamily="34" charset="-122"/>
-                <a:cs typeface="Open Sans Light"/>
-              </a:rPr>
-              <a:t>xx</a:t>
-            </a:r>
-            <a:r>
-              <a:rPr lang="en-US" altLang="zh-CN" sz="3000" dirty="0" smtClean="0">
-                <a:solidFill>
-                  <a:srgbClr val="5B4945"/>
-                </a:solidFill>
-                <a:latin typeface="微软雅黑" panose="020B0503020204020204" pitchFamily="34" charset="-122"/>
-                <a:ea typeface="微软雅黑" panose="020B0503020204020204" pitchFamily="34" charset="-122"/>
-                <a:cs typeface="Open Sans Light"/>
-              </a:rPr>
-              <a:t>  </a:t>
+              <a:t> ng build , ng g xx xx  </a:t>
             </a:r>
             <a:r>
               <a:rPr lang="zh-CN" altLang="en-US" sz="3000" dirty="0" smtClean="0">
